--- a/ppts/05-1.4_BinaryTreeCodeAdv Quiz.pptx
+++ b/ppts/05-1.4_BinaryTreeCodeAdv Quiz.pptx
@@ -214,7 +214,7 @@
           <a:p>
             <a:fld id="{648057B7-EFC7-4AC6-B479-CDD44EB7D654}" type="datetimeFigureOut">
               <a:rPr lang="ko-KR" altLang="en-US" smtClean="0"/>
-              <a:t>2022-11-06</a:t>
+              <a:t>2023-10-29</a:t>
             </a:fld>
             <a:endParaRPr lang="ko-KR" altLang="en-US"/>
           </a:p>
@@ -2841,45 +2841,30 @@
           </a:p>
           <a:p>
             <a:r>
-              <a:rPr lang="en-US" altLang="ko-KR" sz="1800" dirty="0"/>
-              <a:t>Q1. What is the total number of the function calls to complete with the tree and how many returns </a:t>
+              <a:rPr lang="en-US" altLang="ko-KR" sz="1800"/>
+              <a:t>Q1</a:t>
             </a:r>
             <a:r>
-              <a:rPr lang="en-US" altLang="ko-KR" sz="1800" dirty="0" smtClean="0"/>
-              <a:t>from each </a:t>
+              <a:rPr lang="en-US" altLang="ko-KR" sz="1800"/>
+              <a:t>. </a:t>
             </a:r>
             <a:r>
-              <a:rPr lang="en-US" altLang="ko-KR" sz="1800" dirty="0"/>
-              <a:t>side </a:t>
+              <a:rPr lang="en-US" altLang="ko-KR" sz="1800" smtClean="0"/>
+              <a:t>What </a:t>
             </a:r>
             <a:r>
-              <a:rPr lang="en-US" altLang="ko-KR" sz="1800" dirty="0" smtClean="0"/>
-              <a:t>of</a:t>
+              <a:rPr lang="en-US" altLang="ko-KR" sz="1800"/>
+              <a:t>is the total number of the function calls to complete with the tree traversal and how many returns from each side of the </a:t>
             </a:r>
             <a:r>
-              <a:rPr lang="ko-KR" altLang="en-US" sz="1800" dirty="0" smtClean="0"/>
-              <a:t> </a:t>
+              <a:rPr lang="en-US" altLang="ko-KR" sz="1800"/>
+              <a:t>root </a:t>
             </a:r>
             <a:r>
-              <a:rPr lang="en-US" altLang="ko-KR" sz="1800" dirty="0"/>
-              <a:t>the</a:t>
+              <a:rPr lang="en-US" altLang="ko-KR" sz="1800" smtClean="0"/>
+              <a:t>6? _______ ________ ________</a:t>
             </a:r>
-            <a:r>
-              <a:rPr lang="ko-KR" altLang="en-US" sz="1800" dirty="0"/>
-              <a:t> </a:t>
-            </a:r>
-            <a:r>
-              <a:rPr lang="en-US" altLang="ko-KR" sz="1800" dirty="0"/>
-              <a:t>root</a:t>
-            </a:r>
-            <a:r>
-              <a:rPr lang="ko-KR" altLang="en-US" sz="1800" dirty="0"/>
-              <a:t> </a:t>
-            </a:r>
-            <a:r>
-              <a:rPr lang="en-US" altLang="ko-KR" sz="1800" dirty="0"/>
-              <a:t>6?</a:t>
-            </a:r>
+            <a:endParaRPr lang="en-US" altLang="ko-KR" sz="1800" dirty="0"/>
           </a:p>
           <a:p>
             <a:endParaRPr lang="en-US" altLang="ko-KR" sz="1800" dirty="0"/>
